--- a/QuickStart for MetaWare Risc-V VSCode based IDE.pptx
+++ b/QuickStart for MetaWare Risc-V VSCode based IDE.pptx
@@ -5,26 +5,28 @@
     <p:sldMasterId id="2147483648" r:id="rId5"/>
   </p:sldMasterIdLst>
   <p:notesMasterIdLst>
-    <p:notesMasterId r:id="rId15"/>
+    <p:notesMasterId r:id="rId17"/>
   </p:notesMasterIdLst>
   <p:handoutMasterIdLst>
-    <p:handoutMasterId r:id="rId16"/>
+    <p:handoutMasterId r:id="rId18"/>
   </p:handoutMasterIdLst>
   <p:sldIdLst>
     <p:sldId id="2147469759" r:id="rId6"/>
     <p:sldId id="2147469756" r:id="rId7"/>
-    <p:sldId id="2147469764" r:id="rId8"/>
-    <p:sldId id="2147469760" r:id="rId9"/>
+    <p:sldId id="2147469760" r:id="rId8"/>
+    <p:sldId id="2147469764" r:id="rId9"/>
     <p:sldId id="2147469761" r:id="rId10"/>
     <p:sldId id="2147469765" r:id="rId11"/>
     <p:sldId id="2147469762" r:id="rId12"/>
     <p:sldId id="2147469767" r:id="rId13"/>
-    <p:sldId id="2147469763" r:id="rId14"/>
+    <p:sldId id="2147469769" r:id="rId14"/>
+    <p:sldId id="2147469763" r:id="rId15"/>
+    <p:sldId id="2147469768" r:id="rId16"/>
   </p:sldIdLst>
   <p:sldSz cx="12192000" cy="6858000"/>
   <p:notesSz cx="6858000" cy="9144000"/>
   <p:custDataLst>
-    <p:tags r:id="rId17"/>
+    <p:tags r:id="rId19"/>
   </p:custDataLst>
   <p:defaultTextStyle>
     <a:defPPr>
@@ -226,7 +228,7 @@
           <a:p>
             <a:fld id="{131B2B96-935C-4E33-8AB6-12B49957FB30}" type="datetimeFigureOut">
               <a:rPr lang="en-US"/>
-              <a:t>5/17/2024</a:t>
+              <a:t>5/19/2024</a:t>
             </a:fld>
             <a:endParaRPr/>
           </a:p>
@@ -419,7 +421,7 @@
           <a:p>
             <a:fld id="{D92C2542-699D-4A89-AAB1-134E0E425CBA}" type="datetimeFigureOut">
               <a:rPr lang="en-US"/>
-              <a:t>5/17/2024</a:t>
+              <a:t>5/19/2024</a:t>
             </a:fld>
             <a:endParaRPr/>
           </a:p>
@@ -31580,6 +31582,7 @@
           <a:bodyPr/>
           <a:lstStyle/>
           <a:p>
+            <a:pPr algn="r"/>
             <a:r>
               <a:rPr lang="en-US" dirty="0"/>
               <a:t>2024-05-17</a:t>
@@ -31591,6 +31594,465 @@
     <p:extLst>
       <p:ext uri="{BB962C8B-B14F-4D97-AF65-F5344CB8AC3E}">
         <p14:creationId xmlns:p14="http://schemas.microsoft.com/office/powerpoint/2010/main" val="2623600501"/>
+      </p:ext>
+    </p:extLst>
+  </p:cSld>
+  <p:clrMapOvr>
+    <a:masterClrMapping/>
+  </p:clrMapOvr>
+</p:sld>
+</file>
+
+<file path=ppt/slides/slide10.xml><?xml version="1.0" encoding="utf-8"?>
+<p:sld xmlns:a="http://schemas.openxmlformats.org/drawingml/2006/main" xmlns:r="http://schemas.openxmlformats.org/officeDocument/2006/relationships" xmlns:p="http://schemas.openxmlformats.org/presentationml/2006/main">
+  <p:cSld>
+    <p:spTree>
+      <p:nvGrpSpPr>
+        <p:cNvPr id="1" name=""/>
+        <p:cNvGrpSpPr/>
+        <p:nvPr/>
+      </p:nvGrpSpPr>
+      <p:grpSpPr>
+        <a:xfrm>
+          <a:off x="0" y="0"/>
+          <a:ext cx="0" cy="0"/>
+          <a:chOff x="0" y="0"/>
+          <a:chExt cx="0" cy="0"/>
+        </a:xfrm>
+      </p:grpSpPr>
+      <p:sp>
+        <p:nvSpPr>
+          <p:cNvPr id="2" name="Title 1">
+            <a:extLst>
+              <a:ext uri="{FF2B5EF4-FFF2-40B4-BE49-F238E27FC236}">
+                <a16:creationId xmlns:a16="http://schemas.microsoft.com/office/drawing/2014/main" id="{2778E8A7-AA84-46A8-98EE-B6874C3E30A6}"/>
+              </a:ext>
+            </a:extLst>
+          </p:cNvPr>
+          <p:cNvSpPr>
+            <a:spLocks noGrp="1"/>
+          </p:cNvSpPr>
+          <p:nvPr>
+            <p:ph type="title"/>
+          </p:nvPr>
+        </p:nvSpPr>
+        <p:spPr/>
+        <p:txBody>
+          <a:bodyPr/>
+          <a:lstStyle/>
+          <a:p>
+            <a:r>
+              <a:rPr lang="en-US" sz="3600" dirty="0"/>
+              <a:t>QuickStart for </a:t>
+            </a:r>
+            <a:r>
+              <a:rPr lang="en-US" sz="3600" dirty="0" err="1"/>
+              <a:t>MetaWare</a:t>
+            </a:r>
+            <a:r>
+              <a:rPr lang="en-US" sz="3600" dirty="0"/>
+              <a:t> </a:t>
+            </a:r>
+            <a:r>
+              <a:rPr lang="en-US" sz="3600" dirty="0" err="1"/>
+              <a:t>Risc</a:t>
+            </a:r>
+            <a:r>
+              <a:rPr lang="en-US" sz="3600" dirty="0"/>
+              <a:t>-V </a:t>
+            </a:r>
+            <a:r>
+              <a:rPr lang="en-US" sz="3600" dirty="0" err="1"/>
+              <a:t>VSCode</a:t>
+            </a:r>
+            <a:r>
+              <a:rPr lang="en-US" sz="3600" dirty="0"/>
+              <a:t> based IDE</a:t>
+            </a:r>
+          </a:p>
+        </p:txBody>
+      </p:sp>
+      <p:sp>
+        <p:nvSpPr>
+          <p:cNvPr id="3" name="Text Placeholder 2">
+            <a:extLst>
+              <a:ext uri="{FF2B5EF4-FFF2-40B4-BE49-F238E27FC236}">
+                <a16:creationId xmlns:a16="http://schemas.microsoft.com/office/drawing/2014/main" id="{35E0F645-27A1-530D-5555-3A14F0E5202D}"/>
+              </a:ext>
+            </a:extLst>
+          </p:cNvPr>
+          <p:cNvSpPr>
+            <a:spLocks noGrp="1"/>
+          </p:cNvSpPr>
+          <p:nvPr>
+            <p:ph type="body" sz="quarter" idx="10"/>
+          </p:nvPr>
+        </p:nvSpPr>
+        <p:spPr/>
+        <p:txBody>
+          <a:bodyPr/>
+          <a:lstStyle/>
+          <a:p>
+            <a:r>
+              <a:rPr lang="en-US" sz="2800" b="1" dirty="0">
+                <a:solidFill>
+                  <a:schemeClr val="bg1">
+                    <a:lumMod val="75000"/>
+                  </a:schemeClr>
+                </a:solidFill>
+              </a:rPr>
+              <a:t>Introduction</a:t>
+            </a:r>
+          </a:p>
+          <a:p>
+            <a:r>
+              <a:rPr lang="en-US" sz="2800" b="1" dirty="0">
+                <a:solidFill>
+                  <a:schemeClr val="bg1">
+                    <a:lumMod val="75000"/>
+                  </a:schemeClr>
+                </a:solidFill>
+              </a:rPr>
+              <a:t>Perquisite </a:t>
+            </a:r>
+            <a:r>
+              <a:rPr lang="en-US" b="1" dirty="0">
+                <a:solidFill>
+                  <a:schemeClr val="bg1">
+                    <a:lumMod val="75000"/>
+                  </a:schemeClr>
+                </a:solidFill>
+              </a:rPr>
+              <a:t> </a:t>
+            </a:r>
+          </a:p>
+          <a:p>
+            <a:pPr lvl="1"/>
+            <a:r>
+              <a:rPr lang="en-US" dirty="0">
+                <a:solidFill>
+                  <a:schemeClr val="bg1">
+                    <a:lumMod val="75000"/>
+                  </a:schemeClr>
+                </a:solidFill>
+              </a:rPr>
+              <a:t>Installation of </a:t>
+            </a:r>
+            <a:r>
+              <a:rPr lang="en-US" dirty="0" err="1">
+                <a:solidFill>
+                  <a:schemeClr val="bg1">
+                    <a:lumMod val="75000"/>
+                  </a:schemeClr>
+                </a:solidFill>
+              </a:rPr>
+              <a:t>nSIM</a:t>
+            </a:r>
+            <a:endParaRPr lang="en-US" dirty="0">
+              <a:solidFill>
+                <a:schemeClr val="bg1">
+                  <a:lumMod val="75000"/>
+                </a:schemeClr>
+              </a:solidFill>
+            </a:endParaRPr>
+          </a:p>
+          <a:p>
+            <a:pPr lvl="1"/>
+            <a:r>
+              <a:rPr lang="en-US" dirty="0">
+                <a:solidFill>
+                  <a:schemeClr val="bg1">
+                    <a:lumMod val="75000"/>
+                  </a:schemeClr>
+                </a:solidFill>
+              </a:rPr>
+              <a:t>Installation of VS Code</a:t>
+            </a:r>
+          </a:p>
+          <a:p>
+            <a:pPr lvl="1"/>
+            <a:r>
+              <a:rPr lang="en-US" dirty="0">
+                <a:solidFill>
+                  <a:schemeClr val="bg1">
+                    <a:lumMod val="75000"/>
+                  </a:schemeClr>
+                </a:solidFill>
+              </a:rPr>
+              <a:t>Installation of PlatformIO core</a:t>
+            </a:r>
+          </a:p>
+          <a:p>
+            <a:r>
+              <a:rPr lang="en-US" sz="2800" b="1" dirty="0">
+                <a:solidFill>
+                  <a:schemeClr val="bg1">
+                    <a:lumMod val="75000"/>
+                  </a:schemeClr>
+                </a:solidFill>
+              </a:rPr>
+              <a:t>Installation of this extension --- </a:t>
+            </a:r>
+            <a:r>
+              <a:rPr lang="en-US" sz="2800" b="1" dirty="0" err="1">
+                <a:solidFill>
+                  <a:schemeClr val="bg1">
+                    <a:lumMod val="75000"/>
+                  </a:schemeClr>
+                </a:solidFill>
+              </a:rPr>
+              <a:t>platformio-metaware-riscv</a:t>
+            </a:r>
+            <a:endParaRPr lang="en-US" sz="2800" b="1" dirty="0">
+              <a:solidFill>
+                <a:schemeClr val="bg1">
+                  <a:lumMod val="75000"/>
+                </a:schemeClr>
+              </a:solidFill>
+            </a:endParaRPr>
+          </a:p>
+          <a:p>
+            <a:pPr lvl="1"/>
+            <a:r>
+              <a:rPr lang="en-US" dirty="0">
+                <a:solidFill>
+                  <a:schemeClr val="bg1">
+                    <a:lumMod val="75000"/>
+                  </a:schemeClr>
+                </a:solidFill>
+              </a:rPr>
+              <a:t>Installation of toolchain</a:t>
+            </a:r>
+          </a:p>
+          <a:p>
+            <a:pPr lvl="1"/>
+            <a:r>
+              <a:rPr lang="en-US" dirty="0">
+                <a:solidFill>
+                  <a:schemeClr val="bg1">
+                    <a:lumMod val="75000"/>
+                  </a:schemeClr>
+                </a:solidFill>
+              </a:rPr>
+              <a:t>Installation of builder and uploader</a:t>
+            </a:r>
+          </a:p>
+          <a:p>
+            <a:r>
+              <a:rPr lang="en-US" sz="2800" b="1" dirty="0"/>
+              <a:t>Building and Running HelloWorld project</a:t>
+            </a:r>
+          </a:p>
+          <a:p>
+            <a:pPr lvl="1"/>
+            <a:r>
+              <a:rPr lang="en-US" dirty="0"/>
+              <a:t>Building HelloWorld project</a:t>
+            </a:r>
+          </a:p>
+          <a:p>
+            <a:pPr lvl="1"/>
+            <a:r>
+              <a:rPr lang="en-US" dirty="0"/>
+              <a:t>Running HelloWorld project</a:t>
+            </a:r>
+          </a:p>
+        </p:txBody>
+      </p:sp>
+      <p:sp>
+        <p:nvSpPr>
+          <p:cNvPr id="4" name="Footer Placeholder 3">
+            <a:extLst>
+              <a:ext uri="{FF2B5EF4-FFF2-40B4-BE49-F238E27FC236}">
+                <a16:creationId xmlns:a16="http://schemas.microsoft.com/office/drawing/2014/main" id="{63709C77-2782-C68F-8CAB-35A8121E5F7D}"/>
+              </a:ext>
+            </a:extLst>
+          </p:cNvPr>
+          <p:cNvSpPr>
+            <a:spLocks noGrp="1"/>
+          </p:cNvSpPr>
+          <p:nvPr>
+            <p:ph type="ftr" sz="quarter" idx="11"/>
+          </p:nvPr>
+        </p:nvSpPr>
+        <p:spPr/>
+        <p:txBody>
+          <a:bodyPr/>
+          <a:lstStyle/>
+          <a:p>
+            <a:r>
+              <a:rPr lang="en-US"/>
+              <a:t>Synopsys Confidential Information</a:t>
+            </a:r>
+            <a:endParaRPr lang="en-US" dirty="0"/>
+          </a:p>
+        </p:txBody>
+      </p:sp>
+    </p:spTree>
+    <p:extLst>
+      <p:ext uri="{BB962C8B-B14F-4D97-AF65-F5344CB8AC3E}">
+        <p14:creationId xmlns:p14="http://schemas.microsoft.com/office/powerpoint/2010/main" val="799243744"/>
+      </p:ext>
+    </p:extLst>
+  </p:cSld>
+  <p:clrMapOvr>
+    <a:masterClrMapping/>
+  </p:clrMapOvr>
+</p:sld>
+</file>
+
+<file path=ppt/slides/slide11.xml><?xml version="1.0" encoding="utf-8"?>
+<p:sld xmlns:a="http://schemas.openxmlformats.org/drawingml/2006/main" xmlns:r="http://schemas.openxmlformats.org/officeDocument/2006/relationships" xmlns:p="http://schemas.openxmlformats.org/presentationml/2006/main">
+  <p:cSld>
+    <p:spTree>
+      <p:nvGrpSpPr>
+        <p:cNvPr id="1" name=""/>
+        <p:cNvGrpSpPr/>
+        <p:nvPr/>
+      </p:nvGrpSpPr>
+      <p:grpSpPr>
+        <a:xfrm>
+          <a:off x="0" y="0"/>
+          <a:ext cx="0" cy="0"/>
+          <a:chOff x="0" y="0"/>
+          <a:chExt cx="0" cy="0"/>
+        </a:xfrm>
+      </p:grpSpPr>
+      <p:sp>
+        <p:nvSpPr>
+          <p:cNvPr id="2" name="Title 1">
+            <a:extLst>
+              <a:ext uri="{FF2B5EF4-FFF2-40B4-BE49-F238E27FC236}">
+                <a16:creationId xmlns:a16="http://schemas.microsoft.com/office/drawing/2014/main" id="{2369A483-B970-365C-498A-EA6C1776070F}"/>
+              </a:ext>
+            </a:extLst>
+          </p:cNvPr>
+          <p:cNvSpPr>
+            <a:spLocks noGrp="1"/>
+          </p:cNvSpPr>
+          <p:nvPr>
+            <p:ph type="title"/>
+          </p:nvPr>
+        </p:nvSpPr>
+        <p:spPr/>
+        <p:txBody>
+          <a:bodyPr/>
+          <a:lstStyle/>
+          <a:p>
+            <a:r>
+              <a:rPr lang="en-US" sz="4400" b="1" dirty="0"/>
+              <a:t>Building and Running HelloWorld project</a:t>
+            </a:r>
+            <a:endParaRPr lang="en-US" dirty="0"/>
+          </a:p>
+        </p:txBody>
+      </p:sp>
+      <p:sp>
+        <p:nvSpPr>
+          <p:cNvPr id="3" name="Text Placeholder 2">
+            <a:extLst>
+              <a:ext uri="{FF2B5EF4-FFF2-40B4-BE49-F238E27FC236}">
+                <a16:creationId xmlns:a16="http://schemas.microsoft.com/office/drawing/2014/main" id="{10629817-328F-8359-72CC-BBEC3D1A5FA3}"/>
+              </a:ext>
+            </a:extLst>
+          </p:cNvPr>
+          <p:cNvSpPr>
+            <a:spLocks noGrp="1"/>
+          </p:cNvSpPr>
+          <p:nvPr>
+            <p:ph type="body" sz="quarter" idx="10"/>
+          </p:nvPr>
+        </p:nvSpPr>
+        <p:spPr/>
+        <p:txBody>
+          <a:bodyPr/>
+          <a:lstStyle/>
+          <a:p>
+            <a:r>
+              <a:rPr lang="en-US" dirty="0"/>
+              <a:t>Command in the </a:t>
+            </a:r>
+            <a:r>
+              <a:rPr lang="en-US"/>
+              <a:t>IDE Terminal </a:t>
+            </a:r>
+            <a:endParaRPr lang="en-US" dirty="0"/>
+          </a:p>
+          <a:p>
+            <a:pPr lvl="1"/>
+            <a:r>
+              <a:rPr lang="en-US" dirty="0" err="1"/>
+              <a:t>pio</a:t>
+            </a:r>
+            <a:r>
+              <a:rPr lang="en-US" dirty="0"/>
+              <a:t> run –target upload</a:t>
+            </a:r>
+          </a:p>
+        </p:txBody>
+      </p:sp>
+      <p:sp>
+        <p:nvSpPr>
+          <p:cNvPr id="4" name="Footer Placeholder 3">
+            <a:extLst>
+              <a:ext uri="{FF2B5EF4-FFF2-40B4-BE49-F238E27FC236}">
+                <a16:creationId xmlns:a16="http://schemas.microsoft.com/office/drawing/2014/main" id="{9FE65D2E-CAF2-7F41-C5B2-A10BD36D441C}"/>
+              </a:ext>
+            </a:extLst>
+          </p:cNvPr>
+          <p:cNvSpPr>
+            <a:spLocks noGrp="1"/>
+          </p:cNvSpPr>
+          <p:nvPr>
+            <p:ph type="ftr" sz="quarter" idx="11"/>
+          </p:nvPr>
+        </p:nvSpPr>
+        <p:spPr/>
+        <p:txBody>
+          <a:bodyPr/>
+          <a:lstStyle/>
+          <a:p>
+            <a:r>
+              <a:rPr lang="en-US"/>
+              <a:t>Synopsys Confidential Information</a:t>
+            </a:r>
+          </a:p>
+        </p:txBody>
+      </p:sp>
+      <p:pic>
+        <p:nvPicPr>
+          <p:cNvPr id="6" name="Picture 5">
+            <a:extLst>
+              <a:ext uri="{FF2B5EF4-FFF2-40B4-BE49-F238E27FC236}">
+                <a16:creationId xmlns:a16="http://schemas.microsoft.com/office/drawing/2014/main" id="{114B9B73-0B62-9400-00A4-BEDB5FB40FB7}"/>
+              </a:ext>
+            </a:extLst>
+          </p:cNvPr>
+          <p:cNvPicPr>
+            <a:picLocks noChangeAspect="1"/>
+          </p:cNvPicPr>
+          <p:nvPr/>
+        </p:nvPicPr>
+        <p:blipFill>
+          <a:blip r:embed="rId2"/>
+          <a:stretch>
+            <a:fillRect/>
+          </a:stretch>
+        </p:blipFill>
+        <p:spPr>
+          <a:xfrm>
+            <a:off x="4046220" y="2342188"/>
+            <a:ext cx="8145780" cy="4318961"/>
+          </a:xfrm>
+          <a:prstGeom prst="rect">
+            <a:avLst/>
+          </a:prstGeom>
+        </p:spPr>
+      </p:pic>
+    </p:spTree>
+    <p:extLst>
+      <p:ext uri="{BB962C8B-B14F-4D97-AF65-F5344CB8AC3E}">
+        <p14:creationId xmlns:p14="http://schemas.microsoft.com/office/powerpoint/2010/main" val="3128708725"/>
       </p:ext>
     </p:extLst>
   </p:cSld>
@@ -31755,7 +32217,7 @@
           <p:cNvPr id="2" name="Title 1">
             <a:extLst>
               <a:ext uri="{FF2B5EF4-FFF2-40B4-BE49-F238E27FC236}">
-                <a16:creationId xmlns:a16="http://schemas.microsoft.com/office/drawing/2014/main" id="{C4217DE9-C4CA-9BC3-5E4B-B54FA5C304DD}"/>
+                <a16:creationId xmlns:a16="http://schemas.microsoft.com/office/drawing/2014/main" id="{2778E8A7-AA84-46A8-98EE-B6874C3E30A6}"/>
               </a:ext>
             </a:extLst>
           </p:cNvPr>
@@ -31772,8 +32234,32 @@
           <a:lstStyle/>
           <a:p>
             <a:r>
-              <a:rPr lang="en-US" dirty="0"/>
-              <a:t>Introduction</a:t>
+              <a:rPr lang="en-US" sz="3600" dirty="0"/>
+              <a:t>QuickStart for </a:t>
+            </a:r>
+            <a:r>
+              <a:rPr lang="en-US" sz="3600" dirty="0" err="1"/>
+              <a:t>MetaWare</a:t>
+            </a:r>
+            <a:r>
+              <a:rPr lang="en-US" sz="3600" dirty="0"/>
+              <a:t> </a:t>
+            </a:r>
+            <a:r>
+              <a:rPr lang="en-US" sz="3600" dirty="0" err="1"/>
+              <a:t>Risc</a:t>
+            </a:r>
+            <a:r>
+              <a:rPr lang="en-US" sz="3600" dirty="0"/>
+              <a:t>-V </a:t>
+            </a:r>
+            <a:r>
+              <a:rPr lang="en-US" sz="3600" dirty="0" err="1"/>
+              <a:t>VSCode</a:t>
+            </a:r>
+            <a:r>
+              <a:rPr lang="en-US" sz="3600" dirty="0"/>
+              <a:t> based IDE</a:t>
             </a:r>
           </a:p>
         </p:txBody>
@@ -31783,7 +32269,7 @@
           <p:cNvPr id="3" name="Text Placeholder 2">
             <a:extLst>
               <a:ext uri="{FF2B5EF4-FFF2-40B4-BE49-F238E27FC236}">
-                <a16:creationId xmlns:a16="http://schemas.microsoft.com/office/drawing/2014/main" id="{DB2EADB7-E3C8-C3FC-9C30-D025E3E9B719}"/>
+                <a16:creationId xmlns:a16="http://schemas.microsoft.com/office/drawing/2014/main" id="{35E0F645-27A1-530D-5555-3A14F0E5202D}"/>
               </a:ext>
             </a:extLst>
           </p:cNvPr>
@@ -31799,245 +32285,181 @@
           <a:bodyPr/>
           <a:lstStyle/>
           <a:p>
-            <a:pPr marL="0" indent="0">
-              <a:buNone/>
-            </a:pPr>
-            <a:r>
-              <a:rPr lang="en-US" sz="3200" dirty="0"/>
-              <a:t>The </a:t>
-            </a:r>
-            <a:r>
-              <a:rPr lang="en-US" sz="3200" u="sng" dirty="0"/>
-              <a:t>next generation IDE </a:t>
-            </a:r>
-            <a:r>
-              <a:rPr lang="en-US" sz="3200" dirty="0"/>
-              <a:t>enable the end customer to develop project based on </a:t>
-            </a:r>
-            <a:r>
-              <a:rPr lang="en-US" sz="3200" u="sng" dirty="0" err="1"/>
-              <a:t>MetaWare</a:t>
-            </a:r>
-            <a:r>
-              <a:rPr lang="en-US" sz="3200" u="sng" dirty="0"/>
-              <a:t> toolchain</a:t>
-            </a:r>
-            <a:r>
-              <a:rPr lang="en-US" sz="3200" dirty="0"/>
-              <a:t> and </a:t>
-            </a:r>
-            <a:r>
-              <a:rPr lang="en-US" sz="3200" u="sng" dirty="0" err="1"/>
-              <a:t>MetaWare</a:t>
-            </a:r>
-            <a:r>
-              <a:rPr lang="en-US" sz="3200" u="sng" dirty="0"/>
+            <a:r>
+              <a:rPr lang="en-US" sz="2800" b="1" dirty="0"/>
+              <a:t>Introduction</a:t>
+            </a:r>
+          </a:p>
+          <a:p>
+            <a:r>
+              <a:rPr lang="en-US" sz="2800" b="1" dirty="0">
+                <a:solidFill>
+                  <a:schemeClr val="bg1">
+                    <a:lumMod val="75000"/>
+                  </a:schemeClr>
+                </a:solidFill>
+              </a:rPr>
+              <a:t>Perquisite </a:t>
+            </a:r>
+            <a:r>
+              <a:rPr lang="en-US" b="1" dirty="0">
+                <a:solidFill>
+                  <a:schemeClr val="bg1">
+                    <a:lumMod val="75000"/>
+                  </a:schemeClr>
+                </a:solidFill>
+              </a:rPr>
               <a:t> </a:t>
             </a:r>
-            <a:r>
-              <a:rPr lang="en-US" sz="3200" u="sng" dirty="0" err="1"/>
+          </a:p>
+          <a:p>
+            <a:pPr lvl="1"/>
+            <a:r>
+              <a:rPr lang="en-US" dirty="0">
+                <a:solidFill>
+                  <a:schemeClr val="bg1">
+                    <a:lumMod val="75000"/>
+                  </a:schemeClr>
+                </a:solidFill>
+              </a:rPr>
+              <a:t>Installation of </a:t>
+            </a:r>
+            <a:r>
+              <a:rPr lang="en-US" dirty="0" err="1">
+                <a:solidFill>
+                  <a:schemeClr val="bg1">
+                    <a:lumMod val="75000"/>
+                  </a:schemeClr>
+                </a:solidFill>
+              </a:rPr>
               <a:t>nSIM</a:t>
             </a:r>
-            <a:r>
-              <a:rPr lang="en-US" sz="3200" dirty="0"/>
-              <a:t> for </a:t>
-            </a:r>
-            <a:r>
-              <a:rPr lang="en-US" sz="3200" u="sng" dirty="0" err="1"/>
-              <a:t>MetaWare</a:t>
-            </a:r>
-            <a:r>
-              <a:rPr lang="en-US" sz="3200" u="sng" dirty="0"/>
-              <a:t> </a:t>
-            </a:r>
-            <a:r>
-              <a:rPr lang="en-US" sz="3200" u="sng" dirty="0" err="1"/>
-              <a:t>Risc</a:t>
-            </a:r>
-            <a:r>
-              <a:rPr lang="en-US" sz="3200" u="sng" dirty="0"/>
-              <a:t>-V Series </a:t>
-            </a:r>
-            <a:r>
-              <a:rPr lang="en-US" sz="3200" dirty="0"/>
-              <a:t>inside </a:t>
-            </a:r>
-            <a:r>
-              <a:rPr lang="en-US" sz="3200" u="sng" dirty="0"/>
-              <a:t>Microsoft VS Code GUI</a:t>
-            </a:r>
-            <a:r>
-              <a:rPr lang="en-US" sz="3200" dirty="0"/>
-              <a:t>. </a:t>
-            </a:r>
-          </a:p>
-          <a:p>
-            <a:pPr marL="0" indent="0">
-              <a:buNone/>
-            </a:pPr>
-            <a:endParaRPr lang="en-US" sz="3200" b="1" dirty="0"/>
-          </a:p>
-          <a:p>
-            <a:pPr marL="0" indent="0">
-              <a:buNone/>
-            </a:pPr>
-            <a:r>
-              <a:rPr lang="en-US" sz="2800" dirty="0"/>
-              <a:t>Perquisite:</a:t>
-            </a:r>
-          </a:p>
-          <a:p>
-            <a:pPr>
-              <a:buFont typeface="Wingdings" panose="05000000000000000000" pitchFamily="2" charset="2"/>
-              <a:buChar char="q"/>
-            </a:pPr>
-            <a:r>
-              <a:rPr lang="en-US" sz="2000" dirty="0"/>
-              <a:t>  </a:t>
-            </a:r>
-            <a:r>
-              <a:rPr lang="en-US" sz="2000" i="1" dirty="0" err="1"/>
-              <a:t>MetaWare</a:t>
-            </a:r>
-            <a:r>
-              <a:rPr lang="en-US" sz="2000" i="1" dirty="0"/>
-              <a:t> </a:t>
-            </a:r>
-            <a:r>
-              <a:rPr lang="en-US" sz="2000" i="1" dirty="0" err="1"/>
-              <a:t>nSIM</a:t>
-            </a:r>
-            <a:r>
-              <a:rPr lang="en-US" sz="2000" i="1" dirty="0"/>
-              <a:t> </a:t>
-            </a:r>
-            <a:r>
-              <a:rPr lang="en-US" sz="2000" dirty="0"/>
-              <a:t>--- simulator that support </a:t>
-            </a:r>
-            <a:r>
-              <a:rPr lang="en-US" sz="2000" dirty="0" err="1"/>
-              <a:t>MetaWare</a:t>
-            </a:r>
-            <a:r>
-              <a:rPr lang="en-US" sz="2000" dirty="0"/>
-              <a:t> </a:t>
-            </a:r>
-            <a:r>
-              <a:rPr lang="en-US" sz="2000" dirty="0" err="1"/>
-              <a:t>Risc</a:t>
-            </a:r>
-            <a:r>
-              <a:rPr lang="en-US" sz="2000" dirty="0"/>
-              <a:t>-V series.</a:t>
-            </a:r>
-          </a:p>
-          <a:p>
-            <a:pPr>
-              <a:buFont typeface="Wingdings" panose="05000000000000000000" pitchFamily="2" charset="2"/>
-              <a:buChar char="q"/>
-            </a:pPr>
-            <a:r>
-              <a:rPr lang="en-US" sz="2000" dirty="0"/>
-              <a:t>  </a:t>
-            </a:r>
-            <a:r>
-              <a:rPr lang="en-US" sz="2000" i="1" dirty="0" err="1"/>
-              <a:t>MetaWare</a:t>
-            </a:r>
-            <a:r>
-              <a:rPr lang="en-US" sz="2000" i="1" dirty="0"/>
-              <a:t> toolchain </a:t>
-            </a:r>
-            <a:r>
-              <a:rPr lang="en-US" sz="2000" dirty="0"/>
-              <a:t>--- toolset include compiler/debugger that support </a:t>
-            </a:r>
-            <a:r>
-              <a:rPr lang="en-US" sz="2000" dirty="0" err="1"/>
-              <a:t>MetaWare</a:t>
-            </a:r>
-            <a:r>
-              <a:rPr lang="en-US" sz="2000" dirty="0"/>
-              <a:t> </a:t>
-            </a:r>
-            <a:r>
-              <a:rPr lang="en-US" sz="2000" dirty="0" err="1"/>
-              <a:t>Risc</a:t>
-            </a:r>
-            <a:r>
-              <a:rPr lang="en-US" sz="2000" dirty="0"/>
-              <a:t>-V series.</a:t>
-            </a:r>
-          </a:p>
-          <a:p>
-            <a:pPr>
-              <a:buFont typeface="Wingdings" panose="05000000000000000000" pitchFamily="2" charset="2"/>
-              <a:buChar char="q"/>
-            </a:pPr>
-            <a:r>
-              <a:rPr lang="en-US" sz="2000" dirty="0"/>
-              <a:t>  </a:t>
-            </a:r>
-            <a:r>
-              <a:rPr lang="en-US" sz="2000" i="1" dirty="0"/>
-              <a:t>VS Code </a:t>
-            </a:r>
-            <a:r>
-              <a:rPr lang="en-US" sz="2000" dirty="0"/>
-              <a:t>--- Popular cross-platform IDE developed by Microsoft. </a:t>
-            </a:r>
-          </a:p>
-          <a:p>
-            <a:pPr>
-              <a:buFont typeface="Wingdings" panose="05000000000000000000" pitchFamily="2" charset="2"/>
-              <a:buChar char="q"/>
-            </a:pPr>
-            <a:r>
-              <a:rPr lang="en-US" sz="2000" dirty="0"/>
-              <a:t>  </a:t>
-            </a:r>
-            <a:r>
-              <a:rPr lang="en-US" sz="2000" i="1" dirty="0"/>
-              <a:t>PlatformIO</a:t>
-            </a:r>
-            <a:r>
-              <a:rPr lang="en-US" sz="2000" dirty="0"/>
-              <a:t> --- Popular development environment for embedded industry on top of VS Code.</a:t>
-            </a:r>
-          </a:p>
-          <a:p>
-            <a:pPr marL="0" indent="0">
-              <a:buNone/>
-            </a:pPr>
-            <a:endParaRPr lang="en-US" sz="3200" dirty="0"/>
-          </a:p>
-          <a:p>
-            <a:pPr marL="0" indent="0">
-              <a:buNone/>
-            </a:pPr>
-            <a:r>
-              <a:rPr lang="en-US" sz="3200" dirty="0"/>
-              <a:t> </a:t>
-            </a:r>
-          </a:p>
-          <a:p>
-            <a:pPr marL="0" indent="0">
-              <a:buNone/>
-            </a:pPr>
-            <a:endParaRPr lang="en-US" sz="3200" dirty="0"/>
-          </a:p>
-          <a:p>
-            <a:pPr marL="0" indent="0">
-              <a:buNone/>
-            </a:pPr>
-            <a:endParaRPr lang="en-US" sz="3200" dirty="0"/>
-          </a:p>
-          <a:p>
-            <a:pPr marL="0" indent="0">
-              <a:buNone/>
-            </a:pPr>
-            <a:endParaRPr lang="en-US" sz="3200" dirty="0"/>
+            <a:endParaRPr lang="en-US" dirty="0">
+              <a:solidFill>
+                <a:schemeClr val="bg1">
+                  <a:lumMod val="75000"/>
+                </a:schemeClr>
+              </a:solidFill>
+            </a:endParaRPr>
+          </a:p>
+          <a:p>
+            <a:pPr lvl="1"/>
+            <a:r>
+              <a:rPr lang="en-US" dirty="0">
+                <a:solidFill>
+                  <a:schemeClr val="bg1">
+                    <a:lumMod val="75000"/>
+                  </a:schemeClr>
+                </a:solidFill>
+              </a:rPr>
+              <a:t>Installation of VS Code</a:t>
+            </a:r>
+          </a:p>
+          <a:p>
+            <a:pPr lvl="1"/>
+            <a:r>
+              <a:rPr lang="en-US" dirty="0">
+                <a:solidFill>
+                  <a:schemeClr val="bg1">
+                    <a:lumMod val="75000"/>
+                  </a:schemeClr>
+                </a:solidFill>
+              </a:rPr>
+              <a:t>Installation of PlatformIO core</a:t>
+            </a:r>
+          </a:p>
+          <a:p>
+            <a:r>
+              <a:rPr lang="en-US" sz="2800" b="1" dirty="0">
+                <a:solidFill>
+                  <a:schemeClr val="bg1">
+                    <a:lumMod val="75000"/>
+                  </a:schemeClr>
+                </a:solidFill>
+              </a:rPr>
+              <a:t>Installation of this extension --- </a:t>
+            </a:r>
+            <a:r>
+              <a:rPr lang="en-US" sz="2800" b="1" dirty="0" err="1">
+                <a:solidFill>
+                  <a:schemeClr val="bg1">
+                    <a:lumMod val="75000"/>
+                  </a:schemeClr>
+                </a:solidFill>
+              </a:rPr>
+              <a:t>platformio-metaware-riscv</a:t>
+            </a:r>
+            <a:endParaRPr lang="en-US" sz="2800" b="1" dirty="0">
+              <a:solidFill>
+                <a:schemeClr val="bg1">
+                  <a:lumMod val="75000"/>
+                </a:schemeClr>
+              </a:solidFill>
+            </a:endParaRPr>
+          </a:p>
+          <a:p>
+            <a:pPr lvl="1"/>
+            <a:r>
+              <a:rPr lang="en-US" dirty="0">
+                <a:solidFill>
+                  <a:schemeClr val="bg1">
+                    <a:lumMod val="75000"/>
+                  </a:schemeClr>
+                </a:solidFill>
+              </a:rPr>
+              <a:t>Installation of toolchain</a:t>
+            </a:r>
+          </a:p>
+          <a:p>
+            <a:pPr lvl="1"/>
+            <a:r>
+              <a:rPr lang="en-US" dirty="0">
+                <a:solidFill>
+                  <a:schemeClr val="bg1">
+                    <a:lumMod val="75000"/>
+                  </a:schemeClr>
+                </a:solidFill>
+              </a:rPr>
+              <a:t>Installation of builder and uploader</a:t>
+            </a:r>
+          </a:p>
+          <a:p>
+            <a:r>
+              <a:rPr lang="en-US" sz="2800" b="1" dirty="0">
+                <a:solidFill>
+                  <a:schemeClr val="bg1">
+                    <a:lumMod val="75000"/>
+                  </a:schemeClr>
+                </a:solidFill>
+              </a:rPr>
+              <a:t>Building and Running HelloWorld project</a:t>
+            </a:r>
+          </a:p>
+          <a:p>
+            <a:pPr lvl="1"/>
+            <a:r>
+              <a:rPr lang="en-US" dirty="0">
+                <a:solidFill>
+                  <a:schemeClr val="bg1">
+                    <a:lumMod val="75000"/>
+                  </a:schemeClr>
+                </a:solidFill>
+              </a:rPr>
+              <a:t>Building HelloWorld project</a:t>
+            </a:r>
+          </a:p>
+          <a:p>
+            <a:pPr lvl="1"/>
+            <a:r>
+              <a:rPr lang="en-US" dirty="0">
+                <a:solidFill>
+                  <a:schemeClr val="bg1">
+                    <a:lumMod val="75000"/>
+                  </a:schemeClr>
+                </a:solidFill>
+              </a:rPr>
+              <a:t>Running HelloWorld project</a:t>
+            </a:r>
           </a:p>
         </p:txBody>
       </p:sp>
@@ -32046,7 +32468,7 @@
           <p:cNvPr id="4" name="Footer Placeholder 3">
             <a:extLst>
               <a:ext uri="{FF2B5EF4-FFF2-40B4-BE49-F238E27FC236}">
-                <a16:creationId xmlns:a16="http://schemas.microsoft.com/office/drawing/2014/main" id="{3AF561EC-2F98-3C00-20ED-2C878F63901E}"/>
+                <a16:creationId xmlns:a16="http://schemas.microsoft.com/office/drawing/2014/main" id="{63709C77-2782-C68F-8CAB-35A8121E5F7D}"/>
               </a:ext>
             </a:extLst>
           </p:cNvPr>
@@ -32066,13 +32488,14 @@
               <a:rPr lang="en-US"/>
               <a:t>Synopsys Confidential Information</a:t>
             </a:r>
+            <a:endParaRPr lang="en-US" dirty="0"/>
           </a:p>
         </p:txBody>
       </p:sp>
     </p:spTree>
     <p:extLst>
       <p:ext uri="{BB962C8B-B14F-4D97-AF65-F5344CB8AC3E}">
-        <p14:creationId xmlns:p14="http://schemas.microsoft.com/office/powerpoint/2010/main" val="2181624882"/>
+        <p14:creationId xmlns:p14="http://schemas.microsoft.com/office/powerpoint/2010/main" val="39603026"/>
       </p:ext>
     </p:extLst>
   </p:cSld>
@@ -32104,7 +32527,7 @@
           <p:cNvPr id="2" name="Title 1">
             <a:extLst>
               <a:ext uri="{FF2B5EF4-FFF2-40B4-BE49-F238E27FC236}">
-                <a16:creationId xmlns:a16="http://schemas.microsoft.com/office/drawing/2014/main" id="{2778E8A7-AA84-46A8-98EE-B6874C3E30A6}"/>
+                <a16:creationId xmlns:a16="http://schemas.microsoft.com/office/drawing/2014/main" id="{C4217DE9-C4CA-9BC3-5E4B-B54FA5C304DD}"/>
               </a:ext>
             </a:extLst>
           </p:cNvPr>
@@ -32121,32 +32544,8 @@
           <a:lstStyle/>
           <a:p>
             <a:r>
-              <a:rPr lang="en-US" sz="3600" dirty="0"/>
-              <a:t>QuickStart for </a:t>
-            </a:r>
-            <a:r>
-              <a:rPr lang="en-US" sz="3600" dirty="0" err="1"/>
-              <a:t>MetaWare</a:t>
-            </a:r>
-            <a:r>
-              <a:rPr lang="en-US" sz="3600" dirty="0"/>
-              <a:t> </a:t>
-            </a:r>
-            <a:r>
-              <a:rPr lang="en-US" sz="3600" dirty="0" err="1"/>
-              <a:t>Risc</a:t>
-            </a:r>
-            <a:r>
-              <a:rPr lang="en-US" sz="3600" dirty="0"/>
-              <a:t>-V </a:t>
-            </a:r>
-            <a:r>
-              <a:rPr lang="en-US" sz="3600" dirty="0" err="1"/>
-              <a:t>VSCode</a:t>
-            </a:r>
-            <a:r>
-              <a:rPr lang="en-US" sz="3600" dirty="0"/>
-              <a:t> based IDE</a:t>
+              <a:rPr lang="en-US" dirty="0"/>
+              <a:t>Introduction</a:t>
             </a:r>
           </a:p>
         </p:txBody>
@@ -32156,7 +32555,7 @@
           <p:cNvPr id="3" name="Text Placeholder 2">
             <a:extLst>
               <a:ext uri="{FF2B5EF4-FFF2-40B4-BE49-F238E27FC236}">
-                <a16:creationId xmlns:a16="http://schemas.microsoft.com/office/drawing/2014/main" id="{35E0F645-27A1-530D-5555-3A14F0E5202D}"/>
+                <a16:creationId xmlns:a16="http://schemas.microsoft.com/office/drawing/2014/main" id="{DB2EADB7-E3C8-C3FC-9C30-D025E3E9B719}"/>
               </a:ext>
             </a:extLst>
           </p:cNvPr>
@@ -32172,181 +32571,245 @@
           <a:bodyPr/>
           <a:lstStyle/>
           <a:p>
-            <a:r>
-              <a:rPr lang="en-US" sz="2800" b="1" dirty="0"/>
-              <a:t>Introduction</a:t>
-            </a:r>
-          </a:p>
-          <a:p>
-            <a:r>
-              <a:rPr lang="en-US" sz="2800" b="1" dirty="0">
-                <a:solidFill>
-                  <a:schemeClr val="bg1">
-                    <a:lumMod val="75000"/>
-                  </a:schemeClr>
-                </a:solidFill>
-              </a:rPr>
-              <a:t>Perquisite </a:t>
-            </a:r>
-            <a:r>
-              <a:rPr lang="en-US" b="1" dirty="0">
-                <a:solidFill>
-                  <a:schemeClr val="bg1">
-                    <a:lumMod val="75000"/>
-                  </a:schemeClr>
-                </a:solidFill>
-              </a:rPr>
+            <a:pPr marL="0" indent="0">
+              <a:buNone/>
+            </a:pPr>
+            <a:r>
+              <a:rPr lang="en-US" sz="3200" dirty="0"/>
+              <a:t>The </a:t>
+            </a:r>
+            <a:r>
+              <a:rPr lang="en-US" sz="3200" u="sng" dirty="0"/>
+              <a:t>next generation IDE </a:t>
+            </a:r>
+            <a:r>
+              <a:rPr lang="en-US" sz="3200" dirty="0"/>
+              <a:t>enable the end customer to develop project based on </a:t>
+            </a:r>
+            <a:r>
+              <a:rPr lang="en-US" sz="3200" u="sng" dirty="0" err="1"/>
+              <a:t>MetaWare</a:t>
+            </a:r>
+            <a:r>
+              <a:rPr lang="en-US" sz="3200" u="sng" dirty="0"/>
+              <a:t> toolchain</a:t>
+            </a:r>
+            <a:r>
+              <a:rPr lang="en-US" sz="3200" dirty="0"/>
+              <a:t> and </a:t>
+            </a:r>
+            <a:r>
+              <a:rPr lang="en-US" sz="3200" u="sng" dirty="0" err="1"/>
+              <a:t>MetaWare</a:t>
+            </a:r>
+            <a:r>
+              <a:rPr lang="en-US" sz="3200" u="sng" dirty="0"/>
               <a:t> </a:t>
             </a:r>
-          </a:p>
-          <a:p>
-            <a:pPr lvl="1"/>
-            <a:r>
-              <a:rPr lang="en-US" dirty="0">
-                <a:solidFill>
-                  <a:schemeClr val="bg1">
-                    <a:lumMod val="75000"/>
-                  </a:schemeClr>
-                </a:solidFill>
-              </a:rPr>
-              <a:t>Installation of </a:t>
-            </a:r>
-            <a:r>
-              <a:rPr lang="en-US" dirty="0" err="1">
-                <a:solidFill>
-                  <a:schemeClr val="bg1">
-                    <a:lumMod val="75000"/>
-                  </a:schemeClr>
-                </a:solidFill>
-              </a:rPr>
+            <a:r>
+              <a:rPr lang="en-US" sz="3200" u="sng" dirty="0" err="1"/>
               <a:t>nSIM</a:t>
             </a:r>
-            <a:endParaRPr lang="en-US" dirty="0">
-              <a:solidFill>
-                <a:schemeClr val="bg1">
-                  <a:lumMod val="75000"/>
-                </a:schemeClr>
-              </a:solidFill>
-            </a:endParaRPr>
-          </a:p>
-          <a:p>
-            <a:pPr lvl="1"/>
-            <a:r>
-              <a:rPr lang="en-US" dirty="0">
-                <a:solidFill>
-                  <a:schemeClr val="bg1">
-                    <a:lumMod val="75000"/>
-                  </a:schemeClr>
-                </a:solidFill>
-              </a:rPr>
-              <a:t>Installation of VS Code</a:t>
-            </a:r>
-          </a:p>
-          <a:p>
-            <a:pPr lvl="1"/>
-            <a:r>
-              <a:rPr lang="en-US" dirty="0">
-                <a:solidFill>
-                  <a:schemeClr val="bg1">
-                    <a:lumMod val="75000"/>
-                  </a:schemeClr>
-                </a:solidFill>
-              </a:rPr>
-              <a:t>Installation of PlatformIO core</a:t>
-            </a:r>
-          </a:p>
-          <a:p>
-            <a:r>
-              <a:rPr lang="en-US" sz="2800" b="1" dirty="0">
-                <a:solidFill>
-                  <a:schemeClr val="bg1">
-                    <a:lumMod val="75000"/>
-                  </a:schemeClr>
-                </a:solidFill>
-              </a:rPr>
-              <a:t>Installation of this extension --- </a:t>
-            </a:r>
-            <a:r>
-              <a:rPr lang="en-US" sz="2800" b="1" dirty="0" err="1">
-                <a:solidFill>
-                  <a:schemeClr val="bg1">
-                    <a:lumMod val="75000"/>
-                  </a:schemeClr>
-                </a:solidFill>
-              </a:rPr>
-              <a:t>platformio-metaware-riscv</a:t>
-            </a:r>
-            <a:endParaRPr lang="en-US" sz="2800" b="1" dirty="0">
-              <a:solidFill>
-                <a:schemeClr val="bg1">
-                  <a:lumMod val="75000"/>
-                </a:schemeClr>
-              </a:solidFill>
-            </a:endParaRPr>
-          </a:p>
-          <a:p>
-            <a:pPr lvl="1"/>
-            <a:r>
-              <a:rPr lang="en-US" dirty="0">
-                <a:solidFill>
-                  <a:schemeClr val="bg1">
-                    <a:lumMod val="75000"/>
-                  </a:schemeClr>
-                </a:solidFill>
-              </a:rPr>
-              <a:t>Installation of toolchain</a:t>
-            </a:r>
-          </a:p>
-          <a:p>
-            <a:pPr lvl="1"/>
-            <a:r>
-              <a:rPr lang="en-US" dirty="0">
-                <a:solidFill>
-                  <a:schemeClr val="bg1">
-                    <a:lumMod val="75000"/>
-                  </a:schemeClr>
-                </a:solidFill>
-              </a:rPr>
-              <a:t>Installation of builder and uploader</a:t>
-            </a:r>
-          </a:p>
-          <a:p>
-            <a:r>
-              <a:rPr lang="en-US" sz="2800" b="1" dirty="0">
-                <a:solidFill>
-                  <a:schemeClr val="bg1">
-                    <a:lumMod val="75000"/>
-                  </a:schemeClr>
-                </a:solidFill>
-              </a:rPr>
-              <a:t>Building and Running HelloWorld project</a:t>
-            </a:r>
-          </a:p>
-          <a:p>
-            <a:pPr lvl="1"/>
-            <a:r>
-              <a:rPr lang="en-US" dirty="0">
-                <a:solidFill>
-                  <a:schemeClr val="bg1">
-                    <a:lumMod val="75000"/>
-                  </a:schemeClr>
-                </a:solidFill>
-              </a:rPr>
-              <a:t>Building HelloWorld project</a:t>
-            </a:r>
-          </a:p>
-          <a:p>
-            <a:pPr lvl="1"/>
-            <a:r>
-              <a:rPr lang="en-US" dirty="0">
-                <a:solidFill>
-                  <a:schemeClr val="bg1">
-                    <a:lumMod val="75000"/>
-                  </a:schemeClr>
-                </a:solidFill>
-              </a:rPr>
-              <a:t>Running HelloWorld project</a:t>
-            </a:r>
+            <a:r>
+              <a:rPr lang="en-US" sz="3200" dirty="0"/>
+              <a:t> for </a:t>
+            </a:r>
+            <a:r>
+              <a:rPr lang="en-US" sz="3200" u="sng" dirty="0" err="1"/>
+              <a:t>MetaWare</a:t>
+            </a:r>
+            <a:r>
+              <a:rPr lang="en-US" sz="3200" u="sng" dirty="0"/>
+              <a:t> </a:t>
+            </a:r>
+            <a:r>
+              <a:rPr lang="en-US" sz="3200" u="sng" dirty="0" err="1"/>
+              <a:t>Risc</a:t>
+            </a:r>
+            <a:r>
+              <a:rPr lang="en-US" sz="3200" u="sng" dirty="0"/>
+              <a:t>-V Series </a:t>
+            </a:r>
+            <a:r>
+              <a:rPr lang="en-US" sz="3200" dirty="0"/>
+              <a:t>at </a:t>
+            </a:r>
+            <a:r>
+              <a:rPr lang="en-US" sz="3200" u="sng" dirty="0"/>
+              <a:t>Microsoft VS Code GUI</a:t>
+            </a:r>
+            <a:r>
+              <a:rPr lang="en-US" sz="3200" dirty="0"/>
+              <a:t>. </a:t>
+            </a:r>
+          </a:p>
+          <a:p>
+            <a:pPr marL="0" indent="0">
+              <a:buNone/>
+            </a:pPr>
+            <a:endParaRPr lang="en-US" sz="3200" b="1" dirty="0"/>
+          </a:p>
+          <a:p>
+            <a:pPr marL="0" indent="0">
+              <a:buNone/>
+            </a:pPr>
+            <a:r>
+              <a:rPr lang="en-US" sz="2800" dirty="0"/>
+              <a:t>Perquisite:</a:t>
+            </a:r>
+          </a:p>
+          <a:p>
+            <a:pPr>
+              <a:buFont typeface="Wingdings" panose="05000000000000000000" pitchFamily="2" charset="2"/>
+              <a:buChar char="q"/>
+            </a:pPr>
+            <a:r>
+              <a:rPr lang="en-US" sz="2000" dirty="0"/>
+              <a:t>  </a:t>
+            </a:r>
+            <a:r>
+              <a:rPr lang="en-US" sz="2000" i="1" dirty="0" err="1"/>
+              <a:t>MetaWare</a:t>
+            </a:r>
+            <a:r>
+              <a:rPr lang="en-US" sz="2000" i="1" dirty="0"/>
+              <a:t> </a:t>
+            </a:r>
+            <a:r>
+              <a:rPr lang="en-US" sz="2000" i="1" dirty="0" err="1"/>
+              <a:t>nSIM</a:t>
+            </a:r>
+            <a:r>
+              <a:rPr lang="en-US" sz="2000" i="1" dirty="0"/>
+              <a:t> </a:t>
+            </a:r>
+            <a:r>
+              <a:rPr lang="en-US" sz="2000" dirty="0"/>
+              <a:t>--- simulator that support </a:t>
+            </a:r>
+            <a:r>
+              <a:rPr lang="en-US" sz="2000" dirty="0" err="1"/>
+              <a:t>MetaWare</a:t>
+            </a:r>
+            <a:r>
+              <a:rPr lang="en-US" sz="2000" dirty="0"/>
+              <a:t> </a:t>
+            </a:r>
+            <a:r>
+              <a:rPr lang="en-US" sz="2000" dirty="0" err="1"/>
+              <a:t>Risc</a:t>
+            </a:r>
+            <a:r>
+              <a:rPr lang="en-US" sz="2000" dirty="0"/>
+              <a:t>-V series.</a:t>
+            </a:r>
+          </a:p>
+          <a:p>
+            <a:pPr>
+              <a:buFont typeface="Wingdings" panose="05000000000000000000" pitchFamily="2" charset="2"/>
+              <a:buChar char="q"/>
+            </a:pPr>
+            <a:r>
+              <a:rPr lang="en-US" sz="2000" dirty="0"/>
+              <a:t>  </a:t>
+            </a:r>
+            <a:r>
+              <a:rPr lang="en-US" sz="2000" i="1" dirty="0" err="1"/>
+              <a:t>MetaWare</a:t>
+            </a:r>
+            <a:r>
+              <a:rPr lang="en-US" sz="2000" i="1" dirty="0"/>
+              <a:t> toolchain </a:t>
+            </a:r>
+            <a:r>
+              <a:rPr lang="en-US" sz="2000" dirty="0"/>
+              <a:t>--- toolset include compiler/debugger that support </a:t>
+            </a:r>
+            <a:r>
+              <a:rPr lang="en-US" sz="2000" dirty="0" err="1"/>
+              <a:t>MetaWare</a:t>
+            </a:r>
+            <a:r>
+              <a:rPr lang="en-US" sz="2000" dirty="0"/>
+              <a:t> </a:t>
+            </a:r>
+            <a:r>
+              <a:rPr lang="en-US" sz="2000" dirty="0" err="1"/>
+              <a:t>Risc</a:t>
+            </a:r>
+            <a:r>
+              <a:rPr lang="en-US" sz="2000" dirty="0"/>
+              <a:t>-V series.</a:t>
+            </a:r>
+          </a:p>
+          <a:p>
+            <a:pPr>
+              <a:buFont typeface="Wingdings" panose="05000000000000000000" pitchFamily="2" charset="2"/>
+              <a:buChar char="q"/>
+            </a:pPr>
+            <a:r>
+              <a:rPr lang="en-US" sz="2000" dirty="0"/>
+              <a:t>  </a:t>
+            </a:r>
+            <a:r>
+              <a:rPr lang="en-US" sz="2000" i="1" dirty="0"/>
+              <a:t>VS Code </a:t>
+            </a:r>
+            <a:r>
+              <a:rPr lang="en-US" sz="2000" dirty="0"/>
+              <a:t>--- Popular cross-platform IDE developed by Microsoft. </a:t>
+            </a:r>
+          </a:p>
+          <a:p>
+            <a:pPr>
+              <a:buFont typeface="Wingdings" panose="05000000000000000000" pitchFamily="2" charset="2"/>
+              <a:buChar char="q"/>
+            </a:pPr>
+            <a:r>
+              <a:rPr lang="en-US" sz="2000" dirty="0"/>
+              <a:t>  </a:t>
+            </a:r>
+            <a:r>
+              <a:rPr lang="en-US" sz="2000" i="1" dirty="0"/>
+              <a:t>PlatformIO</a:t>
+            </a:r>
+            <a:r>
+              <a:rPr lang="en-US" sz="2000" dirty="0"/>
+              <a:t> --- Popular development environment for embedded industry on top of VS Code.</a:t>
+            </a:r>
+          </a:p>
+          <a:p>
+            <a:pPr marL="0" indent="0">
+              <a:buNone/>
+            </a:pPr>
+            <a:endParaRPr lang="en-US" sz="3200" dirty="0"/>
+          </a:p>
+          <a:p>
+            <a:pPr marL="0" indent="0">
+              <a:buNone/>
+            </a:pPr>
+            <a:r>
+              <a:rPr lang="en-US" sz="3200" dirty="0"/>
+              <a:t> </a:t>
+            </a:r>
+          </a:p>
+          <a:p>
+            <a:pPr marL="0" indent="0">
+              <a:buNone/>
+            </a:pPr>
+            <a:endParaRPr lang="en-US" sz="3200" dirty="0"/>
+          </a:p>
+          <a:p>
+            <a:pPr marL="0" indent="0">
+              <a:buNone/>
+            </a:pPr>
+            <a:endParaRPr lang="en-US" sz="3200" dirty="0"/>
+          </a:p>
+          <a:p>
+            <a:pPr marL="0" indent="0">
+              <a:buNone/>
+            </a:pPr>
+            <a:endParaRPr lang="en-US" sz="3200" dirty="0"/>
           </a:p>
         </p:txBody>
       </p:sp>
@@ -32355,7 +32818,7 @@
           <p:cNvPr id="4" name="Footer Placeholder 3">
             <a:extLst>
               <a:ext uri="{FF2B5EF4-FFF2-40B4-BE49-F238E27FC236}">
-                <a16:creationId xmlns:a16="http://schemas.microsoft.com/office/drawing/2014/main" id="{63709C77-2782-C68F-8CAB-35A8121E5F7D}"/>
+                <a16:creationId xmlns:a16="http://schemas.microsoft.com/office/drawing/2014/main" id="{3AF561EC-2F98-3C00-20ED-2C878F63901E}"/>
               </a:ext>
             </a:extLst>
           </p:cNvPr>
@@ -32375,14 +32838,13 @@
               <a:rPr lang="en-US"/>
               <a:t>Synopsys Confidential Information</a:t>
             </a:r>
-            <a:endParaRPr lang="en-US" dirty="0"/>
           </a:p>
         </p:txBody>
       </p:sp>
     </p:spTree>
     <p:extLst>
       <p:ext uri="{BB962C8B-B14F-4D97-AF65-F5344CB8AC3E}">
-        <p14:creationId xmlns:p14="http://schemas.microsoft.com/office/powerpoint/2010/main" val="39603026"/>
+        <p14:creationId xmlns:p14="http://schemas.microsoft.com/office/powerpoint/2010/main" val="2181624882"/>
       </p:ext>
     </p:extLst>
   </p:cSld>
@@ -33292,7 +33754,7 @@
             </a:pPr>
             <a:r>
               <a:rPr lang="en-US" sz="2400" b="1" dirty="0"/>
-              <a:t>Git clone and into HelloWorld project</a:t>
+              <a:t>git clone and cd into HelloWorld project</a:t>
             </a:r>
           </a:p>
           <a:p>
@@ -33300,14 +33762,26 @@
               <a:buNone/>
             </a:pPr>
             <a:r>
-              <a:rPr lang="en-US" sz="2400" b="1" dirty="0"/>
-              <a:t>    </a:t>
+              <a:rPr lang="en-US" sz="1600" dirty="0"/>
+              <a:t>    git </a:t>
+            </a:r>
+            <a:r>
+              <a:rPr lang="en-US" sz="1600" dirty="0" err="1"/>
+              <a:t>lfs</a:t>
+            </a:r>
+            <a:r>
+              <a:rPr lang="en-US" sz="1600" dirty="0"/>
+              <a:t> -b toolchain clone https://github.com/foss-for-synopsys-dwc-arc-processors/platformio-metaware-riscv.git</a:t>
             </a:r>
           </a:p>
           <a:p>
             <a:pPr marL="292608" lvl="1" indent="0">
               <a:buNone/>
             </a:pPr>
+            <a:r>
+              <a:rPr lang="en-US" sz="1600" dirty="0"/>
+              <a:t>    cd C:\Synopsys\Codebase\Workspace\platformio-metaware-riscv\examples/native-helloworld</a:t>
+            </a:r>
             <a:endParaRPr lang="en-US" dirty="0"/>
           </a:p>
           <a:p>
@@ -33328,8 +33802,12 @@
               <a:t>    </a:t>
             </a:r>
             <a:r>
+              <a:rPr lang="en-US" sz="1600" dirty="0" err="1"/>
+              <a:t>pio</a:t>
+            </a:r>
+            <a:r>
               <a:rPr lang="en-US" sz="1600" dirty="0"/>
-              <a:t>pio pkg install --tool toolchain-</a:t>
+              <a:t> pkg install --tool toolchain-</a:t>
             </a:r>
             <a:r>
               <a:rPr lang="en-US" sz="1600" dirty="0" err="1"/>
@@ -33337,9 +33815,8 @@
             </a:r>
             <a:r>
               <a:rPr lang="en-US" sz="1600" dirty="0"/>
-              <a:t>=https://github.com/foss-for-synopsys-dwc-arc-processors/platformio-metaware-riscv/blob/toolchain/toolchain-gccmetaware.zip</a:t>
-            </a:r>
-            <a:endParaRPr lang="en-US" dirty="0"/>
+              <a:t>=file://C:/Synopsys/Codebase/Workspace/platformio-metaware-riscv/toolchain-gccmetaware.zip</a:t>
+            </a:r>
           </a:p>
           <a:p>
             <a:pPr marL="292608" lvl="1" indent="0">
@@ -33448,7 +33925,7 @@
           <p:cNvPr id="2" name="Title 1">
             <a:extLst>
               <a:ext uri="{FF2B5EF4-FFF2-40B4-BE49-F238E27FC236}">
-                <a16:creationId xmlns:a16="http://schemas.microsoft.com/office/drawing/2014/main" id="{2778E8A7-AA84-46A8-98EE-B6874C3E30A6}"/>
+                <a16:creationId xmlns:a16="http://schemas.microsoft.com/office/drawing/2014/main" id="{578D4E75-53EC-9B46-2A67-8616DD68018D}"/>
               </a:ext>
             </a:extLst>
           </p:cNvPr>
@@ -33465,220 +33942,10 @@
           <a:lstStyle/>
           <a:p>
             <a:r>
-              <a:rPr lang="en-US" sz="3600" dirty="0"/>
-              <a:t>QuickStart for </a:t>
-            </a:r>
-            <a:r>
-              <a:rPr lang="en-US" sz="3600" dirty="0" err="1"/>
-              <a:t>MetaWare</a:t>
-            </a:r>
-            <a:r>
-              <a:rPr lang="en-US" sz="3600" dirty="0"/>
-              <a:t> </a:t>
-            </a:r>
-            <a:r>
-              <a:rPr lang="en-US" sz="3600" dirty="0" err="1"/>
-              <a:t>Risc</a:t>
-            </a:r>
-            <a:r>
-              <a:rPr lang="en-US" sz="3600" dirty="0"/>
-              <a:t>-V </a:t>
-            </a:r>
-            <a:r>
-              <a:rPr lang="en-US" sz="3600" dirty="0" err="1"/>
-              <a:t>VSCode</a:t>
-            </a:r>
-            <a:r>
-              <a:rPr lang="en-US" sz="3600" dirty="0"/>
-              <a:t> based IDE</a:t>
-            </a:r>
-          </a:p>
-        </p:txBody>
-      </p:sp>
-      <p:sp>
-        <p:nvSpPr>
-          <p:cNvPr id="3" name="Text Placeholder 2">
-            <a:extLst>
-              <a:ext uri="{FF2B5EF4-FFF2-40B4-BE49-F238E27FC236}">
-                <a16:creationId xmlns:a16="http://schemas.microsoft.com/office/drawing/2014/main" id="{35E0F645-27A1-530D-5555-3A14F0E5202D}"/>
-              </a:ext>
-            </a:extLst>
-          </p:cNvPr>
-          <p:cNvSpPr>
-            <a:spLocks noGrp="1"/>
-          </p:cNvSpPr>
-          <p:nvPr>
-            <p:ph type="body" sz="quarter" idx="10"/>
-          </p:nvPr>
-        </p:nvSpPr>
-        <p:spPr/>
-        <p:txBody>
-          <a:bodyPr/>
-          <a:lstStyle/>
-          <a:p>
-            <a:r>
-              <a:rPr lang="en-US" sz="2800" b="1" dirty="0">
-                <a:solidFill>
-                  <a:schemeClr val="bg1">
-                    <a:lumMod val="75000"/>
-                  </a:schemeClr>
-                </a:solidFill>
-              </a:rPr>
-              <a:t>Introduction</a:t>
-            </a:r>
-          </a:p>
-          <a:p>
-            <a:r>
-              <a:rPr lang="en-US" sz="2800" b="1" dirty="0">
-                <a:solidFill>
-                  <a:schemeClr val="bg1">
-                    <a:lumMod val="75000"/>
-                  </a:schemeClr>
-                </a:solidFill>
-              </a:rPr>
-              <a:t>Perquisite </a:t>
-            </a:r>
-            <a:r>
-              <a:rPr lang="en-US" b="1" dirty="0">
-                <a:solidFill>
-                  <a:schemeClr val="bg1">
-                    <a:lumMod val="75000"/>
-                  </a:schemeClr>
-                </a:solidFill>
-              </a:rPr>
-              <a:t> </a:t>
-            </a:r>
-          </a:p>
-          <a:p>
-            <a:pPr lvl="1"/>
-            <a:r>
-              <a:rPr lang="en-US" dirty="0">
-                <a:solidFill>
-                  <a:schemeClr val="bg1">
-                    <a:lumMod val="75000"/>
-                  </a:schemeClr>
-                </a:solidFill>
-              </a:rPr>
-              <a:t>Installation of </a:t>
-            </a:r>
-            <a:r>
-              <a:rPr lang="en-US" dirty="0" err="1">
-                <a:solidFill>
-                  <a:schemeClr val="bg1">
-                    <a:lumMod val="75000"/>
-                  </a:schemeClr>
-                </a:solidFill>
-              </a:rPr>
-              <a:t>nSIM</a:t>
-            </a:r>
-            <a:endParaRPr lang="en-US" dirty="0">
-              <a:solidFill>
-                <a:schemeClr val="bg1">
-                  <a:lumMod val="75000"/>
-                </a:schemeClr>
-              </a:solidFill>
-            </a:endParaRPr>
-          </a:p>
-          <a:p>
-            <a:pPr lvl="1"/>
-            <a:r>
-              <a:rPr lang="en-US" dirty="0">
-                <a:solidFill>
-                  <a:schemeClr val="bg1">
-                    <a:lumMod val="75000"/>
-                  </a:schemeClr>
-                </a:solidFill>
-              </a:rPr>
-              <a:t>Installation of VS Code</a:t>
-            </a:r>
-          </a:p>
-          <a:p>
-            <a:pPr lvl="1"/>
-            <a:r>
-              <a:rPr lang="en-US" dirty="0">
-                <a:solidFill>
-                  <a:schemeClr val="bg1">
-                    <a:lumMod val="75000"/>
-                  </a:schemeClr>
-                </a:solidFill>
-              </a:rPr>
-              <a:t>Installation of PlatformIO core</a:t>
-            </a:r>
-          </a:p>
-          <a:p>
-            <a:r>
-              <a:rPr lang="en-US" sz="2800" b="1" dirty="0">
-                <a:solidFill>
-                  <a:schemeClr val="bg1">
-                    <a:lumMod val="75000"/>
-                  </a:schemeClr>
-                </a:solidFill>
-              </a:rPr>
-              <a:t>Installation of this extension --- </a:t>
-            </a:r>
-            <a:r>
-              <a:rPr lang="en-US" sz="2800" b="1" dirty="0" err="1">
-                <a:solidFill>
-                  <a:schemeClr val="bg1">
-                    <a:lumMod val="75000"/>
-                  </a:schemeClr>
-                </a:solidFill>
-              </a:rPr>
-              <a:t>platformio-metaware-riscv</a:t>
-            </a:r>
-            <a:endParaRPr lang="en-US" sz="2800" b="1" dirty="0">
-              <a:solidFill>
-                <a:schemeClr val="bg1">
-                  <a:lumMod val="75000"/>
-                </a:schemeClr>
-              </a:solidFill>
-            </a:endParaRPr>
-          </a:p>
-          <a:p>
-            <a:pPr lvl="1"/>
-            <a:r>
-              <a:rPr lang="en-US" dirty="0">
-                <a:solidFill>
-                  <a:schemeClr val="bg1">
-                    <a:lumMod val="75000"/>
-                  </a:schemeClr>
-                </a:solidFill>
-              </a:rPr>
-              <a:t>Installation of toolchain</a:t>
-            </a:r>
-          </a:p>
-          <a:p>
-            <a:pPr lvl="1"/>
-            <a:r>
-              <a:rPr lang="en-US" dirty="0">
-                <a:solidFill>
-                  <a:schemeClr val="bg1">
-                    <a:lumMod val="75000"/>
-                  </a:schemeClr>
-                </a:solidFill>
-              </a:rPr>
-              <a:t>Installation of builder and uploader</a:t>
-            </a:r>
-          </a:p>
-          <a:p>
-            <a:r>
-              <a:rPr lang="en-US" sz="2800" b="1" dirty="0"/>
-              <a:t>Building and Running HelloWorld project</a:t>
-            </a:r>
-          </a:p>
-          <a:p>
-            <a:pPr lvl="1"/>
-            <a:r>
-              <a:rPr lang="en-US" dirty="0"/>
-              <a:t>Building HelloWorld project</a:t>
-            </a:r>
-          </a:p>
-          <a:p>
-            <a:pPr lvl="1"/>
-            <a:r>
-              <a:rPr lang="en-US" dirty="0"/>
-              <a:t>Running HelloWorld project</a:t>
-            </a:r>
+              <a:rPr lang="en-US" sz="4400" b="1" dirty="0"/>
+              <a:t>Installation of the IDE Extension (cont.)</a:t>
+            </a:r>
+            <a:endParaRPr lang="en-US" dirty="0"/>
           </a:p>
         </p:txBody>
       </p:sp>
@@ -33687,7 +33954,7 @@
           <p:cNvPr id="4" name="Footer Placeholder 3">
             <a:extLst>
               <a:ext uri="{FF2B5EF4-FFF2-40B4-BE49-F238E27FC236}">
-                <a16:creationId xmlns:a16="http://schemas.microsoft.com/office/drawing/2014/main" id="{63709C77-2782-C68F-8CAB-35A8121E5F7D}"/>
+                <a16:creationId xmlns:a16="http://schemas.microsoft.com/office/drawing/2014/main" id="{815B8B92-581D-990E-7E09-5FF3D88A696A}"/>
               </a:ext>
             </a:extLst>
           </p:cNvPr>
@@ -33707,14 +33974,43 @@
               <a:rPr lang="en-US"/>
               <a:t>Synopsys Confidential Information</a:t>
             </a:r>
-            <a:endParaRPr lang="en-US" dirty="0"/>
           </a:p>
         </p:txBody>
       </p:sp>
+      <p:pic>
+        <p:nvPicPr>
+          <p:cNvPr id="6" name="Picture 5">
+            <a:extLst>
+              <a:ext uri="{FF2B5EF4-FFF2-40B4-BE49-F238E27FC236}">
+                <a16:creationId xmlns:a16="http://schemas.microsoft.com/office/drawing/2014/main" id="{D9DFEBCE-CF8E-D814-0A7A-A2F80ABA0E19}"/>
+              </a:ext>
+            </a:extLst>
+          </p:cNvPr>
+          <p:cNvPicPr>
+            <a:picLocks noChangeAspect="1"/>
+          </p:cNvPicPr>
+          <p:nvPr/>
+        </p:nvPicPr>
+        <p:blipFill>
+          <a:blip r:embed="rId2"/>
+          <a:stretch>
+            <a:fillRect/>
+          </a:stretch>
+        </p:blipFill>
+        <p:spPr>
+          <a:xfrm>
+            <a:off x="1188720" y="1661488"/>
+            <a:ext cx="9377680" cy="4972124"/>
+          </a:xfrm>
+          <a:prstGeom prst="rect">
+            <a:avLst/>
+          </a:prstGeom>
+        </p:spPr>
+      </p:pic>
     </p:spTree>
     <p:extLst>
       <p:ext uri="{BB962C8B-B14F-4D97-AF65-F5344CB8AC3E}">
-        <p14:creationId xmlns:p14="http://schemas.microsoft.com/office/powerpoint/2010/main" val="799243744"/>
+        <p14:creationId xmlns:p14="http://schemas.microsoft.com/office/powerpoint/2010/main" val="454667395"/>
       </p:ext>
     </p:extLst>
   </p:cSld>
@@ -35161,6 +35457,30 @@
 </file>
 
 <file path=customXml/item1.xml><?xml version="1.0" encoding="utf-8"?>
+<p:properties xmlns:p="http://schemas.microsoft.com/office/2006/metadata/properties" xmlns:xsi="http://www.w3.org/2001/XMLSchema-instance" xmlns:pc="http://schemas.microsoft.com/office/infopath/2007/PartnerControls">
+  <documentManagement>
+    <lcf76f155ced4ddcb4097134ff3c332f xmlns="372ca149-c3eb-4e69-9c65-f8dd3de9b440">
+      <Terms xmlns="http://schemas.microsoft.com/office/infopath/2007/PartnerControls"/>
+    </lcf76f155ced4ddcb4097134ff3c332f>
+    <TaxCatchAll xmlns="b328dfdc-5b1c-4f31-b160-8dcb60f6996b" xsi:nil="true"/>
+  </documentManagement>
+</p:properties>
+</file>
+
+<file path=customXml/item2.xml><?xml version="1.0" encoding="utf-8"?>
+<BrandIn lastLayout="1"/>
+</file>
+
+<file path=customXml/item3.xml><?xml version="1.0" encoding="utf-8"?>
+<?mso-contentType ?>
+<FormTemplates xmlns="http://schemas.microsoft.com/sharepoint/v3/contenttype/forms">
+  <Display>DocumentLibraryForm</Display>
+  <Edit>DocumentLibraryForm</Edit>
+  <New>DocumentLibraryForm</New>
+</FormTemplates>
+</file>
+
+<file path=customXml/item4.xml><?xml version="1.0" encoding="utf-8"?>
 <ct:contentTypeSchema xmlns:ct="http://schemas.microsoft.com/office/2006/metadata/contentType" xmlns:ma="http://schemas.microsoft.com/office/2006/metadata/properties/metaAttributes" ct:_="" ma:_="" ma:contentTypeName="Document" ma:contentTypeID="0x010100696294E821A31E4B90E20422AA735351" ma:contentTypeVersion="16" ma:contentTypeDescription="Create a new document." ma:contentTypeScope="" ma:versionID="00b04a3b247d2802657a6cb91b64cc4d">
   <xsd:schema xmlns:xsd="http://www.w3.org/2001/XMLSchema" xmlns:xs="http://www.w3.org/2001/XMLSchema" xmlns:p="http://schemas.microsoft.com/office/2006/metadata/properties" xmlns:ns2="b328dfdc-5b1c-4f31-b160-8dcb60f6996b" xmlns:ns3="372ca149-c3eb-4e69-9c65-f8dd3de9b440" targetNamespace="http://schemas.microsoft.com/office/2006/metadata/properties" ma:root="true" ma:fieldsID="80f1edf7b5f585600ddcb8961ec94aaa" ns2:_="" ns3:_="">
     <xsd:import namespace="b328dfdc-5b1c-4f31-b160-8dcb60f6996b"/>
@@ -35389,31 +35709,38 @@
 </ct:contentTypeSchema>
 </file>
 
-<file path=customXml/item2.xml><?xml version="1.0" encoding="utf-8"?>
-<?mso-contentType ?>
-<FormTemplates xmlns="http://schemas.microsoft.com/sharepoint/v3/contenttype/forms">
-  <Display>DocumentLibraryForm</Display>
-  <Edit>DocumentLibraryForm</Edit>
-  <New>DocumentLibraryForm</New>
-</FormTemplates>
+<file path=customXml/itemProps1.xml><?xml version="1.0" encoding="utf-8"?>
+<ds:datastoreItem xmlns:ds="http://schemas.openxmlformats.org/officeDocument/2006/customXml" ds:itemID="{9FCFFA47-11AE-40E2-8D3D-31D852D7F901}">
+  <ds:schemaRefs>
+    <ds:schemaRef ds:uri="http://www.w3.org/XML/1998/namespace"/>
+    <ds:schemaRef ds:uri="http://schemas.microsoft.com/office/2006/documentManagement/types"/>
+    <ds:schemaRef ds:uri="http://purl.org/dc/terms/"/>
+    <ds:schemaRef ds:uri="http://purl.org/dc/elements/1.1/"/>
+    <ds:schemaRef ds:uri="http://schemas.microsoft.com/office/infopath/2007/PartnerControls"/>
+    <ds:schemaRef ds:uri="b328dfdc-5b1c-4f31-b160-8dcb60f6996b"/>
+    <ds:schemaRef ds:uri="http://schemas.openxmlformats.org/package/2006/metadata/core-properties"/>
+    <ds:schemaRef ds:uri="372ca149-c3eb-4e69-9c65-f8dd3de9b440"/>
+    <ds:schemaRef ds:uri="http://schemas.microsoft.com/office/2006/metadata/properties"/>
+    <ds:schemaRef ds:uri="http://purl.org/dc/dcmitype/"/>
+  </ds:schemaRefs>
+</ds:datastoreItem>
 </file>
 
-<file path=customXml/item3.xml><?xml version="1.0" encoding="utf-8"?>
-<BrandIn lastLayout="1"/>
+<file path=customXml/itemProps2.xml><?xml version="1.0" encoding="utf-8"?>
+<ds:datastoreItem xmlns:ds="http://schemas.openxmlformats.org/officeDocument/2006/customXml" ds:itemID="{927CE5C6-6259-4069-9F4B-45F7675AADE2}">
+  <ds:schemaRefs/>
+</ds:datastoreItem>
 </file>
 
-<file path=customXml/item4.xml><?xml version="1.0" encoding="utf-8"?>
-<p:properties xmlns:p="http://schemas.microsoft.com/office/2006/metadata/properties" xmlns:xsi="http://www.w3.org/2001/XMLSchema-instance" xmlns:pc="http://schemas.microsoft.com/office/infopath/2007/PartnerControls">
-  <documentManagement>
-    <lcf76f155ced4ddcb4097134ff3c332f xmlns="372ca149-c3eb-4e69-9c65-f8dd3de9b440">
-      <Terms xmlns="http://schemas.microsoft.com/office/infopath/2007/PartnerControls"/>
-    </lcf76f155ced4ddcb4097134ff3c332f>
-    <TaxCatchAll xmlns="b328dfdc-5b1c-4f31-b160-8dcb60f6996b" xsi:nil="true"/>
-  </documentManagement>
-</p:properties>
+<file path=customXml/itemProps3.xml><?xml version="1.0" encoding="utf-8"?>
+<ds:datastoreItem xmlns:ds="http://schemas.openxmlformats.org/officeDocument/2006/customXml" ds:itemID="{87A102C0-2592-4974-82A5-AA451C0E33FE}">
+  <ds:schemaRefs>
+    <ds:schemaRef ds:uri="http://schemas.microsoft.com/sharepoint/v3/contenttype/forms"/>
+  </ds:schemaRefs>
+</ds:datastoreItem>
 </file>
 
-<file path=customXml/itemProps1.xml><?xml version="1.0" encoding="utf-8"?>
+<file path=customXml/itemProps4.xml><?xml version="1.0" encoding="utf-8"?>
 <ds:datastoreItem xmlns:ds="http://schemas.openxmlformats.org/officeDocument/2006/customXml" ds:itemID="{E2309B0A-9147-4141-AB8A-4FF8BB824341}">
   <ds:schemaRefs>
     <ds:schemaRef ds:uri="http://schemas.microsoft.com/office/2006/metadata/contentType"/>
@@ -35430,35 +35757,4 @@
     <ds:schemaRef ds:uri="http://schemas.microsoft.com/internal/obd"/>
   </ds:schemaRefs>
 </ds:datastoreItem>
-</file>
-
-<file path=customXml/itemProps2.xml><?xml version="1.0" encoding="utf-8"?>
-<ds:datastoreItem xmlns:ds="http://schemas.openxmlformats.org/officeDocument/2006/customXml" ds:itemID="{87A102C0-2592-4974-82A5-AA451C0E33FE}">
-  <ds:schemaRefs>
-    <ds:schemaRef ds:uri="http://schemas.microsoft.com/sharepoint/v3/contenttype/forms"/>
-  </ds:schemaRefs>
-</ds:datastoreItem>
-</file>
-
-<file path=customXml/itemProps3.xml><?xml version="1.0" encoding="utf-8"?>
-<ds:datastoreItem xmlns:ds="http://schemas.openxmlformats.org/officeDocument/2006/customXml" ds:itemID="{927CE5C6-6259-4069-9F4B-45F7675AADE2}">
-  <ds:schemaRefs/>
-</ds:datastoreItem>
-</file>
-
-<file path=customXml/itemProps4.xml><?xml version="1.0" encoding="utf-8"?>
-<ds:datastoreItem xmlns:ds="http://schemas.openxmlformats.org/officeDocument/2006/customXml" ds:itemID="{9FCFFA47-11AE-40E2-8D3D-31D852D7F901}">
-  <ds:schemaRefs>
-    <ds:schemaRef ds:uri="http://www.w3.org/XML/1998/namespace"/>
-    <ds:schemaRef ds:uri="http://schemas.microsoft.com/office/2006/documentManagement/types"/>
-    <ds:schemaRef ds:uri="http://purl.org/dc/terms/"/>
-    <ds:schemaRef ds:uri="http://purl.org/dc/elements/1.1/"/>
-    <ds:schemaRef ds:uri="http://schemas.microsoft.com/office/infopath/2007/PartnerControls"/>
-    <ds:schemaRef ds:uri="b328dfdc-5b1c-4f31-b160-8dcb60f6996b"/>
-    <ds:schemaRef ds:uri="http://schemas.openxmlformats.org/package/2006/metadata/core-properties"/>
-    <ds:schemaRef ds:uri="372ca149-c3eb-4e69-9c65-f8dd3de9b440"/>
-    <ds:schemaRef ds:uri="http://schemas.microsoft.com/office/2006/metadata/properties"/>
-    <ds:schemaRef ds:uri="http://purl.org/dc/dcmitype/"/>
-  </ds:schemaRefs>
-</ds:datastoreItem>
 </file>